--- a/presentation.pptx
+++ b/presentation.pptx
@@ -5,10 +5,10 @@
     <p:sldMasterId id="2147483795" r:id="rId1"/>
   </p:sldMasterIdLst>
   <p:notesMasterIdLst>
-    <p:notesMasterId r:id="rId43"/>
+    <p:notesMasterId r:id="rId45"/>
   </p:notesMasterIdLst>
   <p:handoutMasterIdLst>
-    <p:handoutMasterId r:id="rId44"/>
+    <p:handoutMasterId r:id="rId46"/>
   </p:handoutMasterIdLst>
   <p:sldIdLst>
     <p:sldId id="256" r:id="rId2"/>
@@ -52,6 +52,8 @@
     <p:sldId id="300" r:id="rId40"/>
     <p:sldId id="302" r:id="rId41"/>
     <p:sldId id="301" r:id="rId42"/>
+    <p:sldId id="310" r:id="rId43"/>
+    <p:sldId id="311" r:id="rId44"/>
   </p:sldIdLst>
   <p:sldSz cx="12192000" cy="6858000"/>
   <p:notesSz cx="6858000" cy="9144000"/>
@@ -755,7 +757,7 @@
           <a:noFill/>
           <a:extLst>
             <a:ext uri="{909E8E84-426E-40dd-AFC4-6F175D3DCCD1}">
-              <a14:hiddenFill xmlns:a14="http://schemas.microsoft.com/office/drawing/2010/main" xmlns="">
+              <a14:hiddenFill xmlns="" xmlns:a14="http://schemas.microsoft.com/office/drawing/2010/main">
                 <a:solidFill>
                   <a:srgbClr val="FFFFFF"/>
                 </a:solidFill>
@@ -814,7 +816,7 @@
             </a:ln>
             <a:extLst>
               <a:ext uri="{91240B29-F687-4f45-9708-019B960494DF}">
-                <a14:hiddenLine xmlns:a14="http://schemas.microsoft.com/office/drawing/2010/main" xmlns="" w="9525">
+                <a14:hiddenLine xmlns="" xmlns:a14="http://schemas.microsoft.com/office/drawing/2010/main" w="9525">
                   <a:solidFill>
                     <a:srgbClr val="000000"/>
                   </a:solidFill>
@@ -904,7 +906,7 @@
             </a:ln>
             <a:extLst>
               <a:ext uri="{91240B29-F687-4f45-9708-019B960494DF}">
-                <a14:hiddenLine xmlns:a14="http://schemas.microsoft.com/office/drawing/2010/main" xmlns="" w="9525">
+                <a14:hiddenLine xmlns="" xmlns:a14="http://schemas.microsoft.com/office/drawing/2010/main" w="9525">
                   <a:solidFill>
                     <a:srgbClr val="000000"/>
                   </a:solidFill>
@@ -994,7 +996,7 @@
             </a:ln>
             <a:extLst>
               <a:ext uri="{91240B29-F687-4f45-9708-019B960494DF}">
-                <a14:hiddenLine xmlns:a14="http://schemas.microsoft.com/office/drawing/2010/main" xmlns="" w="9525">
+                <a14:hiddenLine xmlns="" xmlns:a14="http://schemas.microsoft.com/office/drawing/2010/main" w="9525">
                   <a:solidFill>
                     <a:srgbClr val="000000"/>
                   </a:solidFill>
@@ -1028,7 +1030,7 @@
             </a:ln>
             <a:extLst>
               <a:ext uri="{91240B29-F687-4f45-9708-019B960494DF}">
-                <a14:hiddenLine xmlns:a14="http://schemas.microsoft.com/office/drawing/2010/main" xmlns="" w="9525">
+                <a14:hiddenLine xmlns="" xmlns:a14="http://schemas.microsoft.com/office/drawing/2010/main" w="9525">
                   <a:solidFill>
                     <a:srgbClr val="000000"/>
                   </a:solidFill>
@@ -1118,7 +1120,7 @@
             </a:ln>
             <a:extLst>
               <a:ext uri="{91240B29-F687-4f45-9708-019B960494DF}">
-                <a14:hiddenLine xmlns:a14="http://schemas.microsoft.com/office/drawing/2010/main" xmlns="" w="9525">
+                <a14:hiddenLine xmlns="" xmlns:a14="http://schemas.microsoft.com/office/drawing/2010/main" w="9525">
                   <a:solidFill>
                     <a:srgbClr val="000000"/>
                   </a:solidFill>
@@ -1180,7 +1182,7 @@
             </a:ln>
             <a:extLst>
               <a:ext uri="{91240B29-F687-4f45-9708-019B960494DF}">
-                <a14:hiddenLine xmlns:a14="http://schemas.microsoft.com/office/drawing/2010/main" xmlns="" w="9525">
+                <a14:hiddenLine xmlns="" xmlns:a14="http://schemas.microsoft.com/office/drawing/2010/main" w="9525">
                   <a:solidFill>
                     <a:srgbClr val="000000"/>
                   </a:solidFill>
@@ -1242,7 +1244,7 @@
             </a:ln>
             <a:extLst>
               <a:ext uri="{91240B29-F687-4f45-9708-019B960494DF}">
-                <a14:hiddenLine xmlns:a14="http://schemas.microsoft.com/office/drawing/2010/main" xmlns="" w="9525">
+                <a14:hiddenLine xmlns="" xmlns:a14="http://schemas.microsoft.com/office/drawing/2010/main" w="9525">
                   <a:solidFill>
                     <a:srgbClr val="000000"/>
                   </a:solidFill>
@@ -1332,7 +1334,7 @@
             </a:ln>
             <a:extLst>
               <a:ext uri="{91240B29-F687-4f45-9708-019B960494DF}">
-                <a14:hiddenLine xmlns:a14="http://schemas.microsoft.com/office/drawing/2010/main" xmlns="" w="9525">
+                <a14:hiddenLine xmlns="" xmlns:a14="http://schemas.microsoft.com/office/drawing/2010/main" w="9525">
                   <a:solidFill>
                     <a:srgbClr val="000000"/>
                   </a:solidFill>
@@ -1394,7 +1396,7 @@
             </a:ln>
             <a:extLst>
               <a:ext uri="{91240B29-F687-4f45-9708-019B960494DF}">
-                <a14:hiddenLine xmlns:a14="http://schemas.microsoft.com/office/drawing/2010/main" xmlns="" w="9525">
+                <a14:hiddenLine xmlns="" xmlns:a14="http://schemas.microsoft.com/office/drawing/2010/main" w="9525">
                   <a:solidFill>
                     <a:srgbClr val="000000"/>
                   </a:solidFill>
@@ -1456,7 +1458,7 @@
             </a:ln>
             <a:extLst>
               <a:ext uri="{91240B29-F687-4f45-9708-019B960494DF}">
-                <a14:hiddenLine xmlns:a14="http://schemas.microsoft.com/office/drawing/2010/main" xmlns="" w="9525">
+                <a14:hiddenLine xmlns="" xmlns:a14="http://schemas.microsoft.com/office/drawing/2010/main" w="9525">
                   <a:solidFill>
                     <a:srgbClr val="000000"/>
                   </a:solidFill>
@@ -1546,7 +1548,7 @@
             </a:ln>
             <a:extLst>
               <a:ext uri="{91240B29-F687-4f45-9708-019B960494DF}">
-                <a14:hiddenLine xmlns:a14="http://schemas.microsoft.com/office/drawing/2010/main" xmlns="" w="9525">
+                <a14:hiddenLine xmlns="" xmlns:a14="http://schemas.microsoft.com/office/drawing/2010/main" w="9525">
                   <a:solidFill>
                     <a:srgbClr val="000000"/>
                   </a:solidFill>
@@ -1636,7 +1638,7 @@
             </a:ln>
             <a:extLst>
               <a:ext uri="{91240B29-F687-4f45-9708-019B960494DF}">
-                <a14:hiddenLine xmlns:a14="http://schemas.microsoft.com/office/drawing/2010/main" xmlns="" w="9525">
+                <a14:hiddenLine xmlns="" xmlns:a14="http://schemas.microsoft.com/office/drawing/2010/main" w="9525">
                   <a:solidFill>
                     <a:srgbClr val="000000"/>
                   </a:solidFill>
@@ -1698,7 +1700,7 @@
             </a:ln>
             <a:extLst>
               <a:ext uri="{91240B29-F687-4f45-9708-019B960494DF}">
-                <a14:hiddenLine xmlns:a14="http://schemas.microsoft.com/office/drawing/2010/main" xmlns="" w="9525">
+                <a14:hiddenLine xmlns="" xmlns:a14="http://schemas.microsoft.com/office/drawing/2010/main" w="9525">
                   <a:solidFill>
                     <a:srgbClr val="000000"/>
                   </a:solidFill>
@@ -1808,7 +1810,7 @@
             </a:ln>
             <a:extLst>
               <a:ext uri="{91240B29-F687-4f45-9708-019B960494DF}">
-                <a14:hiddenLine xmlns:a14="http://schemas.microsoft.com/office/drawing/2010/main" xmlns="" w="9525">
+                <a14:hiddenLine xmlns="" xmlns:a14="http://schemas.microsoft.com/office/drawing/2010/main" w="9525">
                   <a:solidFill>
                     <a:srgbClr val="000000"/>
                   </a:solidFill>
@@ -1870,7 +1872,7 @@
             </a:ln>
             <a:extLst>
               <a:ext uri="{91240B29-F687-4f45-9708-019B960494DF}">
-                <a14:hiddenLine xmlns:a14="http://schemas.microsoft.com/office/drawing/2010/main" xmlns="" w="9525">
+                <a14:hiddenLine xmlns="" xmlns:a14="http://schemas.microsoft.com/office/drawing/2010/main" w="9525">
                   <a:solidFill>
                     <a:srgbClr val="000000"/>
                   </a:solidFill>
@@ -1960,7 +1962,7 @@
             </a:ln>
             <a:extLst>
               <a:ext uri="{91240B29-F687-4f45-9708-019B960494DF}">
-                <a14:hiddenLine xmlns:a14="http://schemas.microsoft.com/office/drawing/2010/main" xmlns="" w="9525">
+                <a14:hiddenLine xmlns="" xmlns:a14="http://schemas.microsoft.com/office/drawing/2010/main" w="9525">
                   <a:solidFill>
                     <a:srgbClr val="000000"/>
                   </a:solidFill>
@@ -2050,7 +2052,7 @@
             </a:ln>
             <a:extLst>
               <a:ext uri="{91240B29-F687-4f45-9708-019B960494DF}">
-                <a14:hiddenLine xmlns:a14="http://schemas.microsoft.com/office/drawing/2010/main" xmlns="" w="9525">
+                <a14:hiddenLine xmlns="" xmlns:a14="http://schemas.microsoft.com/office/drawing/2010/main" w="9525">
                   <a:solidFill>
                     <a:srgbClr val="000000"/>
                   </a:solidFill>
@@ -2112,7 +2114,7 @@
             </a:ln>
             <a:extLst>
               <a:ext uri="{91240B29-F687-4f45-9708-019B960494DF}">
-                <a14:hiddenLine xmlns:a14="http://schemas.microsoft.com/office/drawing/2010/main" xmlns="" w="9525">
+                <a14:hiddenLine xmlns="" xmlns:a14="http://schemas.microsoft.com/office/drawing/2010/main" w="9525">
                   <a:solidFill>
                     <a:srgbClr val="000000"/>
                   </a:solidFill>
@@ -2202,7 +2204,7 @@
             </a:ln>
             <a:extLst>
               <a:ext uri="{91240B29-F687-4f45-9708-019B960494DF}">
-                <a14:hiddenLine xmlns:a14="http://schemas.microsoft.com/office/drawing/2010/main" xmlns="" w="9525">
+                <a14:hiddenLine xmlns="" xmlns:a14="http://schemas.microsoft.com/office/drawing/2010/main" w="9525">
                   <a:solidFill>
                     <a:srgbClr val="000000"/>
                   </a:solidFill>
@@ -2292,7 +2294,7 @@
             </a:ln>
             <a:extLst>
               <a:ext uri="{91240B29-F687-4f45-9708-019B960494DF}">
-                <a14:hiddenLine xmlns:a14="http://schemas.microsoft.com/office/drawing/2010/main" xmlns="" w="9525">
+                <a14:hiddenLine xmlns="" xmlns:a14="http://schemas.microsoft.com/office/drawing/2010/main" w="9525">
                   <a:solidFill>
                     <a:srgbClr val="000000"/>
                   </a:solidFill>
@@ -2348,7 +2350,7 @@
             </a:ln>
             <a:extLst>
               <a:ext uri="{91240B29-F687-4f45-9708-019B960494DF}">
-                <a14:hiddenLine xmlns:a14="http://schemas.microsoft.com/office/drawing/2010/main" xmlns="" w="9525">
+                <a14:hiddenLine xmlns="" xmlns:a14="http://schemas.microsoft.com/office/drawing/2010/main" w="9525">
                   <a:solidFill>
                     <a:srgbClr val="000000"/>
                   </a:solidFill>
@@ -2438,7 +2440,7 @@
             </a:ln>
             <a:extLst>
               <a:ext uri="{91240B29-F687-4f45-9708-019B960494DF}">
-                <a14:hiddenLine xmlns:a14="http://schemas.microsoft.com/office/drawing/2010/main" xmlns="" w="9525">
+                <a14:hiddenLine xmlns="" xmlns:a14="http://schemas.microsoft.com/office/drawing/2010/main" w="9525">
                   <a:solidFill>
                     <a:srgbClr val="000000"/>
                   </a:solidFill>
@@ -2494,7 +2496,7 @@
             </a:ln>
             <a:extLst>
               <a:ext uri="{91240B29-F687-4f45-9708-019B960494DF}">
-                <a14:hiddenLine xmlns:a14="http://schemas.microsoft.com/office/drawing/2010/main" xmlns="" w="9525">
+                <a14:hiddenLine xmlns="" xmlns:a14="http://schemas.microsoft.com/office/drawing/2010/main" w="9525">
                   <a:solidFill>
                     <a:srgbClr val="000000"/>
                   </a:solidFill>
@@ -2584,7 +2586,7 @@
             </a:ln>
             <a:extLst>
               <a:ext uri="{91240B29-F687-4f45-9708-019B960494DF}">
-                <a14:hiddenLine xmlns:a14="http://schemas.microsoft.com/office/drawing/2010/main" xmlns="" w="9525">
+                <a14:hiddenLine xmlns="" xmlns:a14="http://schemas.microsoft.com/office/drawing/2010/main" w="9525">
                   <a:solidFill>
                     <a:srgbClr val="000000"/>
                   </a:solidFill>
@@ -2652,7 +2654,7 @@
             </a:ln>
             <a:extLst>
               <a:ext uri="{91240B29-F687-4f45-9708-019B960494DF}">
-                <a14:hiddenLine xmlns:a14="http://schemas.microsoft.com/office/drawing/2010/main" xmlns="" w="9525">
+                <a14:hiddenLine xmlns="" xmlns:a14="http://schemas.microsoft.com/office/drawing/2010/main" w="9525">
                   <a:solidFill>
                     <a:srgbClr val="000000"/>
                   </a:solidFill>
@@ -2742,7 +2744,7 @@
             </a:ln>
             <a:extLst>
               <a:ext uri="{91240B29-F687-4f45-9708-019B960494DF}">
-                <a14:hiddenLine xmlns:a14="http://schemas.microsoft.com/office/drawing/2010/main" xmlns="" w="9525">
+                <a14:hiddenLine xmlns="" xmlns:a14="http://schemas.microsoft.com/office/drawing/2010/main" w="9525">
                   <a:solidFill>
                     <a:srgbClr val="000000"/>
                   </a:solidFill>
@@ -2810,7 +2812,7 @@
             </a:ln>
             <a:extLst>
               <a:ext uri="{91240B29-F687-4f45-9708-019B960494DF}">
-                <a14:hiddenLine xmlns:a14="http://schemas.microsoft.com/office/drawing/2010/main" xmlns="" w="9525">
+                <a14:hiddenLine xmlns="" xmlns:a14="http://schemas.microsoft.com/office/drawing/2010/main" w="9525">
                   <a:solidFill>
                     <a:srgbClr val="000000"/>
                   </a:solidFill>
@@ -2900,7 +2902,7 @@
             </a:ln>
             <a:extLst>
               <a:ext uri="{91240B29-F687-4f45-9708-019B960494DF}">
-                <a14:hiddenLine xmlns:a14="http://schemas.microsoft.com/office/drawing/2010/main" xmlns="" w="9525">
+                <a14:hiddenLine xmlns="" xmlns:a14="http://schemas.microsoft.com/office/drawing/2010/main" w="9525">
                   <a:solidFill>
                     <a:srgbClr val="000000"/>
                   </a:solidFill>
@@ -2934,7 +2936,7 @@
             </a:ln>
             <a:extLst>
               <a:ext uri="{91240B29-F687-4f45-9708-019B960494DF}">
-                <a14:hiddenLine xmlns:a14="http://schemas.microsoft.com/office/drawing/2010/main" xmlns="" w="9525">
+                <a14:hiddenLine xmlns="" xmlns:a14="http://schemas.microsoft.com/office/drawing/2010/main" w="9525">
                   <a:solidFill>
                     <a:srgbClr val="000000"/>
                   </a:solidFill>
@@ -3024,7 +3026,7 @@
             </a:ln>
             <a:extLst>
               <a:ext uri="{91240B29-F687-4f45-9708-019B960494DF}">
-                <a14:hiddenLine xmlns:a14="http://schemas.microsoft.com/office/drawing/2010/main" xmlns="" w="9525">
+                <a14:hiddenLine xmlns="" xmlns:a14="http://schemas.microsoft.com/office/drawing/2010/main" w="9525">
                   <a:solidFill>
                     <a:srgbClr val="000000"/>
                   </a:solidFill>
@@ -3086,7 +3088,7 @@
             </a:ln>
             <a:extLst>
               <a:ext uri="{91240B29-F687-4f45-9708-019B960494DF}">
-                <a14:hiddenLine xmlns:a14="http://schemas.microsoft.com/office/drawing/2010/main" xmlns="" w="9525">
+                <a14:hiddenLine xmlns="" xmlns:a14="http://schemas.microsoft.com/office/drawing/2010/main" w="9525">
                   <a:solidFill>
                     <a:srgbClr val="000000"/>
                   </a:solidFill>
@@ -3148,7 +3150,7 @@
             </a:ln>
             <a:extLst>
               <a:ext uri="{91240B29-F687-4f45-9708-019B960494DF}">
-                <a14:hiddenLine xmlns:a14="http://schemas.microsoft.com/office/drawing/2010/main" xmlns="" w="9525">
+                <a14:hiddenLine xmlns="" xmlns:a14="http://schemas.microsoft.com/office/drawing/2010/main" w="9525">
                   <a:solidFill>
                     <a:srgbClr val="000000"/>
                   </a:solidFill>
@@ -3238,7 +3240,7 @@
             </a:ln>
             <a:extLst>
               <a:ext uri="{91240B29-F687-4f45-9708-019B960494DF}">
-                <a14:hiddenLine xmlns:a14="http://schemas.microsoft.com/office/drawing/2010/main" xmlns="" w="9525">
+                <a14:hiddenLine xmlns="" xmlns:a14="http://schemas.microsoft.com/office/drawing/2010/main" w="9525">
                   <a:solidFill>
                     <a:srgbClr val="000000"/>
                   </a:solidFill>
@@ -3306,7 +3308,7 @@
             </a:ln>
             <a:extLst>
               <a:ext uri="{91240B29-F687-4f45-9708-019B960494DF}">
-                <a14:hiddenLine xmlns:a14="http://schemas.microsoft.com/office/drawing/2010/main" xmlns="" w="9525">
+                <a14:hiddenLine xmlns="" xmlns:a14="http://schemas.microsoft.com/office/drawing/2010/main" w="9525">
                   <a:solidFill>
                     <a:srgbClr val="000000"/>
                   </a:solidFill>
@@ -3368,7 +3370,7 @@
             </a:ln>
             <a:extLst>
               <a:ext uri="{91240B29-F687-4f45-9708-019B960494DF}">
-                <a14:hiddenLine xmlns:a14="http://schemas.microsoft.com/office/drawing/2010/main" xmlns="" w="9525">
+                <a14:hiddenLine xmlns="" xmlns:a14="http://schemas.microsoft.com/office/drawing/2010/main" w="9525">
                   <a:solidFill>
                     <a:srgbClr val="000000"/>
                   </a:solidFill>
@@ -3458,7 +3460,7 @@
             </a:ln>
             <a:extLst>
               <a:ext uri="{91240B29-F687-4f45-9708-019B960494DF}">
-                <a14:hiddenLine xmlns:a14="http://schemas.microsoft.com/office/drawing/2010/main" xmlns="" w="9525">
+                <a14:hiddenLine xmlns="" xmlns:a14="http://schemas.microsoft.com/office/drawing/2010/main" w="9525">
                   <a:solidFill>
                     <a:srgbClr val="000000"/>
                   </a:solidFill>
@@ -3520,7 +3522,7 @@
             </a:ln>
             <a:extLst>
               <a:ext uri="{91240B29-F687-4f45-9708-019B960494DF}">
-                <a14:hiddenLine xmlns:a14="http://schemas.microsoft.com/office/drawing/2010/main" xmlns="" w="9525">
+                <a14:hiddenLine xmlns="" xmlns:a14="http://schemas.microsoft.com/office/drawing/2010/main" w="9525">
                   <a:solidFill>
                     <a:srgbClr val="000000"/>
                   </a:solidFill>
@@ -3610,7 +3612,7 @@
             </a:ln>
             <a:extLst>
               <a:ext uri="{91240B29-F687-4f45-9708-019B960494DF}">
-                <a14:hiddenLine xmlns:a14="http://schemas.microsoft.com/office/drawing/2010/main" xmlns="" w="9525">
+                <a14:hiddenLine xmlns="" xmlns:a14="http://schemas.microsoft.com/office/drawing/2010/main" w="9525">
                   <a:solidFill>
                     <a:srgbClr val="000000"/>
                   </a:solidFill>
@@ -3672,7 +3674,7 @@
             </a:ln>
             <a:extLst>
               <a:ext uri="{91240B29-F687-4f45-9708-019B960494DF}">
-                <a14:hiddenLine xmlns:a14="http://schemas.microsoft.com/office/drawing/2010/main" xmlns="" w="9525">
+                <a14:hiddenLine xmlns="" xmlns:a14="http://schemas.microsoft.com/office/drawing/2010/main" w="9525">
                   <a:solidFill>
                     <a:srgbClr val="000000"/>
                   </a:solidFill>
@@ -3762,7 +3764,7 @@
             </a:ln>
             <a:extLst>
               <a:ext uri="{91240B29-F687-4f45-9708-019B960494DF}">
-                <a14:hiddenLine xmlns:a14="http://schemas.microsoft.com/office/drawing/2010/main" xmlns="" w="9525">
+                <a14:hiddenLine xmlns="" xmlns:a14="http://schemas.microsoft.com/office/drawing/2010/main" w="9525">
                   <a:solidFill>
                     <a:srgbClr val="000000"/>
                   </a:solidFill>
@@ -3796,7 +3798,7 @@
             </a:ln>
             <a:extLst>
               <a:ext uri="{91240B29-F687-4f45-9708-019B960494DF}">
-                <a14:hiddenLine xmlns:a14="http://schemas.microsoft.com/office/drawing/2010/main" xmlns="" w="9525">
+                <a14:hiddenLine xmlns="" xmlns:a14="http://schemas.microsoft.com/office/drawing/2010/main" w="9525">
                   <a:solidFill>
                     <a:srgbClr val="000000"/>
                   </a:solidFill>
@@ -3861,7 +3863,7 @@
             </a:ln>
             <a:extLst>
               <a:ext uri="{91240B29-F687-4f45-9708-019B960494DF}">
-                <a14:hiddenLine xmlns:a14="http://schemas.microsoft.com/office/drawing/2010/main" xmlns="" w="9525">
+                <a14:hiddenLine xmlns="" xmlns:a14="http://schemas.microsoft.com/office/drawing/2010/main" w="9525">
                   <a:solidFill>
                     <a:srgbClr val="000000"/>
                   </a:solidFill>
@@ -3951,7 +3953,7 @@
             </a:ln>
             <a:extLst>
               <a:ext uri="{91240B29-F687-4f45-9708-019B960494DF}">
-                <a14:hiddenLine xmlns:a14="http://schemas.microsoft.com/office/drawing/2010/main" xmlns="" w="9525">
+                <a14:hiddenLine xmlns="" xmlns:a14="http://schemas.microsoft.com/office/drawing/2010/main" w="9525">
                   <a:solidFill>
                     <a:srgbClr val="000000"/>
                   </a:solidFill>
@@ -4013,7 +4015,7 @@
             </a:ln>
             <a:extLst>
               <a:ext uri="{91240B29-F687-4f45-9708-019B960494DF}">
-                <a14:hiddenLine xmlns:a14="http://schemas.microsoft.com/office/drawing/2010/main" xmlns="" w="9525">
+                <a14:hiddenLine xmlns="" xmlns:a14="http://schemas.microsoft.com/office/drawing/2010/main" w="9525">
                   <a:solidFill>
                     <a:srgbClr val="000000"/>
                   </a:solidFill>
@@ -4103,7 +4105,7 @@
             </a:ln>
             <a:extLst>
               <a:ext uri="{91240B29-F687-4f45-9708-019B960494DF}">
-                <a14:hiddenLine xmlns:a14="http://schemas.microsoft.com/office/drawing/2010/main" xmlns="" w="9525">
+                <a14:hiddenLine xmlns="" xmlns:a14="http://schemas.microsoft.com/office/drawing/2010/main" w="9525">
                   <a:solidFill>
                     <a:srgbClr val="000000"/>
                   </a:solidFill>
@@ -4193,7 +4195,7 @@
             </a:ln>
             <a:extLst>
               <a:ext uri="{91240B29-F687-4f45-9708-019B960494DF}">
-                <a14:hiddenLine xmlns:a14="http://schemas.microsoft.com/office/drawing/2010/main" xmlns="" w="9525">
+                <a14:hiddenLine xmlns="" xmlns:a14="http://schemas.microsoft.com/office/drawing/2010/main" w="9525">
                   <a:solidFill>
                     <a:srgbClr val="000000"/>
                   </a:solidFill>
@@ -4258,7 +4260,7 @@
             </a:ln>
             <a:extLst>
               <a:ext uri="{91240B29-F687-4f45-9708-019B960494DF}">
-                <a14:hiddenLine xmlns:a14="http://schemas.microsoft.com/office/drawing/2010/main" xmlns="" w="9525">
+                <a14:hiddenLine xmlns="" xmlns:a14="http://schemas.microsoft.com/office/drawing/2010/main" w="9525">
                   <a:solidFill>
                     <a:srgbClr val="000000"/>
                   </a:solidFill>
@@ -4320,7 +4322,7 @@
             </a:ln>
             <a:extLst>
               <a:ext uri="{91240B29-F687-4f45-9708-019B960494DF}">
-                <a14:hiddenLine xmlns:a14="http://schemas.microsoft.com/office/drawing/2010/main" xmlns="" w="9525">
+                <a14:hiddenLine xmlns="" xmlns:a14="http://schemas.microsoft.com/office/drawing/2010/main" w="9525">
                   <a:solidFill>
                     <a:srgbClr val="000000"/>
                   </a:solidFill>
@@ -4410,7 +4412,7 @@
             </a:ln>
             <a:extLst>
               <a:ext uri="{91240B29-F687-4f45-9708-019B960494DF}">
-                <a14:hiddenLine xmlns:a14="http://schemas.microsoft.com/office/drawing/2010/main" xmlns="" w="9525">
+                <a14:hiddenLine xmlns="" xmlns:a14="http://schemas.microsoft.com/office/drawing/2010/main" w="9525">
                   <a:solidFill>
                     <a:srgbClr val="000000"/>
                   </a:solidFill>
@@ -4500,7 +4502,7 @@
             </a:ln>
             <a:extLst>
               <a:ext uri="{91240B29-F687-4f45-9708-019B960494DF}">
-                <a14:hiddenLine xmlns:a14="http://schemas.microsoft.com/office/drawing/2010/main" xmlns="" w="9525">
+                <a14:hiddenLine xmlns="" xmlns:a14="http://schemas.microsoft.com/office/drawing/2010/main" w="9525">
                   <a:solidFill>
                     <a:srgbClr val="000000"/>
                   </a:solidFill>
@@ -4562,7 +4564,7 @@
             </a:ln>
             <a:extLst>
               <a:ext uri="{91240B29-F687-4f45-9708-019B960494DF}">
-                <a14:hiddenLine xmlns:a14="http://schemas.microsoft.com/office/drawing/2010/main" xmlns="" w="9525">
+                <a14:hiddenLine xmlns="" xmlns:a14="http://schemas.microsoft.com/office/drawing/2010/main" w="9525">
                   <a:solidFill>
                     <a:srgbClr val="000000"/>
                   </a:solidFill>
@@ -4682,7 +4684,7 @@
             </a:ln>
             <a:extLst>
               <a:ext uri="{91240B29-F687-4f45-9708-019B960494DF}">
-                <a14:hiddenLine xmlns:a14="http://schemas.microsoft.com/office/drawing/2010/main" xmlns="" w="9525">
+                <a14:hiddenLine xmlns="" xmlns:a14="http://schemas.microsoft.com/office/drawing/2010/main" w="9525">
                   <a:solidFill>
                     <a:srgbClr val="000000"/>
                   </a:solidFill>
@@ -4750,7 +4752,7 @@
             </a:ln>
             <a:extLst>
               <a:ext uri="{91240B29-F687-4f45-9708-019B960494DF}">
-                <a14:hiddenLine xmlns:a14="http://schemas.microsoft.com/office/drawing/2010/main" xmlns="" w="9525">
+                <a14:hiddenLine xmlns="" xmlns:a14="http://schemas.microsoft.com/office/drawing/2010/main" w="9525">
                   <a:solidFill>
                     <a:srgbClr val="000000"/>
                   </a:solidFill>
@@ -4840,7 +4842,7 @@
             </a:ln>
             <a:extLst>
               <a:ext uri="{91240B29-F687-4f45-9708-019B960494DF}">
-                <a14:hiddenLine xmlns:a14="http://schemas.microsoft.com/office/drawing/2010/main" xmlns="" w="9525">
+                <a14:hiddenLine xmlns="" xmlns:a14="http://schemas.microsoft.com/office/drawing/2010/main" w="9525">
                   <a:solidFill>
                     <a:srgbClr val="000000"/>
                   </a:solidFill>
@@ -9654,7 +9656,7 @@
           <a:noFill/>
           <a:extLst>
             <a:ext uri="{909E8E84-426E-40dd-AFC4-6F175D3DCCD1}">
-              <a14:hiddenFill xmlns:a14="http://schemas.microsoft.com/office/drawing/2010/main" xmlns="">
+              <a14:hiddenFill xmlns="" xmlns:a14="http://schemas.microsoft.com/office/drawing/2010/main">
                 <a:solidFill>
                   <a:srgbClr val="FFFFFF"/>
                 </a:solidFill>
@@ -9728,7 +9730,7 @@
               </a:ln>
               <a:extLst>
                 <a:ext uri="{91240B29-F687-4f45-9708-019B960494DF}">
-                  <a14:hiddenLine xmlns:a14="http://schemas.microsoft.com/office/drawing/2010/main" xmlns="" w="9525">
+                  <a14:hiddenLine xmlns="" xmlns:a14="http://schemas.microsoft.com/office/drawing/2010/main" w="9525">
                     <a:solidFill>
                       <a:srgbClr val="000000"/>
                     </a:solidFill>
@@ -9818,7 +9820,7 @@
               </a:ln>
               <a:extLst>
                 <a:ext uri="{91240B29-F687-4f45-9708-019B960494DF}">
-                  <a14:hiddenLine xmlns:a14="http://schemas.microsoft.com/office/drawing/2010/main" xmlns="" w="9525">
+                  <a14:hiddenLine xmlns="" xmlns:a14="http://schemas.microsoft.com/office/drawing/2010/main" w="9525">
                     <a:solidFill>
                       <a:srgbClr val="000000"/>
                     </a:solidFill>
@@ -9908,7 +9910,7 @@
               </a:ln>
               <a:extLst>
                 <a:ext uri="{91240B29-F687-4f45-9708-019B960494DF}">
-                  <a14:hiddenLine xmlns:a14="http://schemas.microsoft.com/office/drawing/2010/main" xmlns="" w="9525">
+                  <a14:hiddenLine xmlns="" xmlns:a14="http://schemas.microsoft.com/office/drawing/2010/main" w="9525">
                     <a:solidFill>
                       <a:srgbClr val="000000"/>
                     </a:solidFill>
@@ -9970,7 +9972,7 @@
               </a:ln>
               <a:extLst>
                 <a:ext uri="{91240B29-F687-4f45-9708-019B960494DF}">
-                  <a14:hiddenLine xmlns:a14="http://schemas.microsoft.com/office/drawing/2010/main" xmlns="" w="9525">
+                  <a14:hiddenLine xmlns="" xmlns:a14="http://schemas.microsoft.com/office/drawing/2010/main" w="9525">
                     <a:solidFill>
                       <a:srgbClr val="000000"/>
                     </a:solidFill>
@@ -10060,7 +10062,7 @@
               </a:ln>
               <a:extLst>
                 <a:ext uri="{91240B29-F687-4f45-9708-019B960494DF}">
-                  <a14:hiddenLine xmlns:a14="http://schemas.microsoft.com/office/drawing/2010/main" xmlns="" w="9525">
+                  <a14:hiddenLine xmlns="" xmlns:a14="http://schemas.microsoft.com/office/drawing/2010/main" w="9525">
                     <a:solidFill>
                       <a:srgbClr val="000000"/>
                     </a:solidFill>
@@ -10122,7 +10124,7 @@
               </a:ln>
               <a:extLst>
                 <a:ext uri="{91240B29-F687-4f45-9708-019B960494DF}">
-                  <a14:hiddenLine xmlns:a14="http://schemas.microsoft.com/office/drawing/2010/main" xmlns="" w="9525">
+                  <a14:hiddenLine xmlns="" xmlns:a14="http://schemas.microsoft.com/office/drawing/2010/main" w="9525">
                     <a:solidFill>
                       <a:srgbClr val="000000"/>
                     </a:solidFill>
@@ -10184,7 +10186,7 @@
               </a:ln>
               <a:extLst>
                 <a:ext uri="{91240B29-F687-4f45-9708-019B960494DF}">
-                  <a14:hiddenLine xmlns:a14="http://schemas.microsoft.com/office/drawing/2010/main" xmlns="" w="9525">
+                  <a14:hiddenLine xmlns="" xmlns:a14="http://schemas.microsoft.com/office/drawing/2010/main" w="9525">
                     <a:solidFill>
                       <a:srgbClr val="000000"/>
                     </a:solidFill>
@@ -10274,7 +10276,7 @@
               </a:ln>
               <a:extLst>
                 <a:ext uri="{91240B29-F687-4f45-9708-019B960494DF}">
-                  <a14:hiddenLine xmlns:a14="http://schemas.microsoft.com/office/drawing/2010/main" xmlns="" w="9525">
+                  <a14:hiddenLine xmlns="" xmlns:a14="http://schemas.microsoft.com/office/drawing/2010/main" w="9525">
                     <a:solidFill>
                       <a:srgbClr val="000000"/>
                     </a:solidFill>
@@ -10364,7 +10366,7 @@
               </a:ln>
               <a:extLst>
                 <a:ext uri="{91240B29-F687-4f45-9708-019B960494DF}">
-                  <a14:hiddenLine xmlns:a14="http://schemas.microsoft.com/office/drawing/2010/main" xmlns="" w="9525">
+                  <a14:hiddenLine xmlns="" xmlns:a14="http://schemas.microsoft.com/office/drawing/2010/main" w="9525">
                     <a:solidFill>
                       <a:srgbClr val="000000"/>
                     </a:solidFill>
@@ -10426,7 +10428,7 @@
               </a:ln>
               <a:extLst>
                 <a:ext uri="{91240B29-F687-4f45-9708-019B960494DF}">
-                  <a14:hiddenLine xmlns:a14="http://schemas.microsoft.com/office/drawing/2010/main" xmlns="" w="9525">
+                  <a14:hiddenLine xmlns="" xmlns:a14="http://schemas.microsoft.com/office/drawing/2010/main" w="9525">
                     <a:solidFill>
                       <a:srgbClr val="000000"/>
                     </a:solidFill>
@@ -10536,7 +10538,7 @@
               </a:ln>
               <a:extLst>
                 <a:ext uri="{91240B29-F687-4f45-9708-019B960494DF}">
-                  <a14:hiddenLine xmlns:a14="http://schemas.microsoft.com/office/drawing/2010/main" xmlns="" w="9525">
+                  <a14:hiddenLine xmlns="" xmlns:a14="http://schemas.microsoft.com/office/drawing/2010/main" w="9525">
                     <a:solidFill>
                       <a:srgbClr val="000000"/>
                     </a:solidFill>
@@ -10620,7 +10622,7 @@
               </a:ln>
               <a:extLst>
                 <a:ext uri="{91240B29-F687-4f45-9708-019B960494DF}">
-                  <a14:hiddenLine xmlns:a14="http://schemas.microsoft.com/office/drawing/2010/main" xmlns="" w="9525">
+                  <a14:hiddenLine xmlns="" xmlns:a14="http://schemas.microsoft.com/office/drawing/2010/main" w="9525">
                     <a:solidFill>
                       <a:srgbClr val="000000"/>
                     </a:solidFill>
@@ -10682,7 +10684,7 @@
               </a:ln>
               <a:extLst>
                 <a:ext uri="{91240B29-F687-4f45-9708-019B960494DF}">
-                  <a14:hiddenLine xmlns:a14="http://schemas.microsoft.com/office/drawing/2010/main" xmlns="" w="9525">
+                  <a14:hiddenLine xmlns="" xmlns:a14="http://schemas.microsoft.com/office/drawing/2010/main" w="9525">
                     <a:solidFill>
                       <a:srgbClr val="000000"/>
                     </a:solidFill>
@@ -10744,7 +10746,7 @@
               </a:ln>
               <a:extLst>
                 <a:ext uri="{91240B29-F687-4f45-9708-019B960494DF}">
-                  <a14:hiddenLine xmlns:a14="http://schemas.microsoft.com/office/drawing/2010/main" xmlns="" w="9525">
+                  <a14:hiddenLine xmlns="" xmlns:a14="http://schemas.microsoft.com/office/drawing/2010/main" w="9525">
                     <a:solidFill>
                       <a:srgbClr val="000000"/>
                     </a:solidFill>
@@ -10834,7 +10836,7 @@
               </a:ln>
               <a:extLst>
                 <a:ext uri="{91240B29-F687-4f45-9708-019B960494DF}">
-                  <a14:hiddenLine xmlns:a14="http://schemas.microsoft.com/office/drawing/2010/main" xmlns="" w="9525">
+                  <a14:hiddenLine xmlns="" xmlns:a14="http://schemas.microsoft.com/office/drawing/2010/main" w="9525">
                     <a:solidFill>
                       <a:srgbClr val="000000"/>
                     </a:solidFill>
@@ -10868,7 +10870,7 @@
               </a:ln>
               <a:extLst>
                 <a:ext uri="{91240B29-F687-4f45-9708-019B960494DF}">
-                  <a14:hiddenLine xmlns:a14="http://schemas.microsoft.com/office/drawing/2010/main" xmlns="" w="9525">
+                  <a14:hiddenLine xmlns="" xmlns:a14="http://schemas.microsoft.com/office/drawing/2010/main" w="9525">
                     <a:solidFill>
                       <a:srgbClr val="000000"/>
                     </a:solidFill>
@@ -10933,7 +10935,7 @@
               </a:ln>
               <a:extLst>
                 <a:ext uri="{91240B29-F687-4f45-9708-019B960494DF}">
-                  <a14:hiddenLine xmlns:a14="http://schemas.microsoft.com/office/drawing/2010/main" xmlns="" w="9525">
+                  <a14:hiddenLine xmlns="" xmlns:a14="http://schemas.microsoft.com/office/drawing/2010/main" w="9525">
                     <a:solidFill>
                       <a:srgbClr val="000000"/>
                     </a:solidFill>
@@ -11023,7 +11025,7 @@
               </a:ln>
               <a:extLst>
                 <a:ext uri="{91240B29-F687-4f45-9708-019B960494DF}">
-                  <a14:hiddenLine xmlns:a14="http://schemas.microsoft.com/office/drawing/2010/main" xmlns="" w="9525">
+                  <a14:hiddenLine xmlns="" xmlns:a14="http://schemas.microsoft.com/office/drawing/2010/main" w="9525">
                     <a:solidFill>
                       <a:srgbClr val="000000"/>
                     </a:solidFill>
@@ -11085,7 +11087,7 @@
               </a:ln>
               <a:extLst>
                 <a:ext uri="{91240B29-F687-4f45-9708-019B960494DF}">
-                  <a14:hiddenLine xmlns:a14="http://schemas.microsoft.com/office/drawing/2010/main" xmlns="" w="9525">
+                  <a14:hiddenLine xmlns="" xmlns:a14="http://schemas.microsoft.com/office/drawing/2010/main" w="9525">
                     <a:solidFill>
                       <a:srgbClr val="000000"/>
                     </a:solidFill>
@@ -11175,7 +11177,7 @@
               </a:ln>
               <a:extLst>
                 <a:ext uri="{91240B29-F687-4f45-9708-019B960494DF}">
-                  <a14:hiddenLine xmlns:a14="http://schemas.microsoft.com/office/drawing/2010/main" xmlns="" w="9525">
+                  <a14:hiddenLine xmlns="" xmlns:a14="http://schemas.microsoft.com/office/drawing/2010/main" w="9525">
                     <a:solidFill>
                       <a:srgbClr val="000000"/>
                     </a:solidFill>
@@ -11240,7 +11242,7 @@
               </a:ln>
               <a:extLst>
                 <a:ext uri="{91240B29-F687-4f45-9708-019B960494DF}">
-                  <a14:hiddenLine xmlns:a14="http://schemas.microsoft.com/office/drawing/2010/main" xmlns="" w="9525">
+                  <a14:hiddenLine xmlns="" xmlns:a14="http://schemas.microsoft.com/office/drawing/2010/main" w="9525">
                     <a:solidFill>
                       <a:srgbClr val="000000"/>
                     </a:solidFill>
@@ -11302,7 +11304,7 @@
               </a:ln>
               <a:extLst>
                 <a:ext uri="{91240B29-F687-4f45-9708-019B960494DF}">
-                  <a14:hiddenLine xmlns:a14="http://schemas.microsoft.com/office/drawing/2010/main" xmlns="" w="9525">
+                  <a14:hiddenLine xmlns="" xmlns:a14="http://schemas.microsoft.com/office/drawing/2010/main" w="9525">
                     <a:solidFill>
                       <a:srgbClr val="000000"/>
                     </a:solidFill>
@@ -11392,7 +11394,7 @@
               </a:ln>
               <a:extLst>
                 <a:ext uri="{91240B29-F687-4f45-9708-019B960494DF}">
-                  <a14:hiddenLine xmlns:a14="http://schemas.microsoft.com/office/drawing/2010/main" xmlns="" w="9525">
+                  <a14:hiddenLine xmlns="" xmlns:a14="http://schemas.microsoft.com/office/drawing/2010/main" w="9525">
                     <a:solidFill>
                       <a:srgbClr val="000000"/>
                     </a:solidFill>
@@ -11482,7 +11484,7 @@
               </a:ln>
               <a:extLst>
                 <a:ext uri="{91240B29-F687-4f45-9708-019B960494DF}">
-                  <a14:hiddenLine xmlns:a14="http://schemas.microsoft.com/office/drawing/2010/main" xmlns="" w="9525">
+                  <a14:hiddenLine xmlns="" xmlns:a14="http://schemas.microsoft.com/office/drawing/2010/main" w="9525">
                     <a:solidFill>
                       <a:srgbClr val="000000"/>
                     </a:solidFill>
@@ -11547,7 +11549,7 @@
               </a:ln>
               <a:extLst>
                 <a:ext uri="{91240B29-F687-4f45-9708-019B960494DF}">
-                  <a14:hiddenLine xmlns:a14="http://schemas.microsoft.com/office/drawing/2010/main" xmlns="" w="9525">
+                  <a14:hiddenLine xmlns="" xmlns:a14="http://schemas.microsoft.com/office/drawing/2010/main" w="9525">
                     <a:solidFill>
                       <a:srgbClr val="000000"/>
                     </a:solidFill>
@@ -11667,7 +11669,7 @@
               </a:ln>
               <a:extLst>
                 <a:ext uri="{91240B29-F687-4f45-9708-019B960494DF}">
-                  <a14:hiddenLine xmlns:a14="http://schemas.microsoft.com/office/drawing/2010/main" xmlns="" w="9525">
+                  <a14:hiddenLine xmlns="" xmlns:a14="http://schemas.microsoft.com/office/drawing/2010/main" w="9525">
                     <a:solidFill>
                       <a:srgbClr val="000000"/>
                     </a:solidFill>
@@ -11748,7 +11750,7 @@
               </a:ln>
               <a:extLst>
                 <a:ext uri="{91240B29-F687-4f45-9708-019B960494DF}">
-                  <a14:hiddenLine xmlns:a14="http://schemas.microsoft.com/office/drawing/2010/main" xmlns="" w="9525">
+                  <a14:hiddenLine xmlns="" xmlns:a14="http://schemas.microsoft.com/office/drawing/2010/main" w="9525">
                     <a:solidFill>
                       <a:srgbClr val="000000"/>
                     </a:solidFill>
@@ -11863,7 +11865,7 @@
               </a:ln>
               <a:extLst>
                 <a:ext uri="{91240B29-F687-4f45-9708-019B960494DF}">
-                  <a14:hiddenLine xmlns:a14="http://schemas.microsoft.com/office/drawing/2010/main" xmlns="" w="9525">
+                  <a14:hiddenLine xmlns="" xmlns:a14="http://schemas.microsoft.com/office/drawing/2010/main" w="9525">
                     <a:solidFill>
                       <a:srgbClr val="000000"/>
                     </a:solidFill>
@@ -11953,7 +11955,7 @@
               </a:ln>
               <a:extLst>
                 <a:ext uri="{91240B29-F687-4f45-9708-019B960494DF}">
-                  <a14:hiddenLine xmlns:a14="http://schemas.microsoft.com/office/drawing/2010/main" xmlns="" w="9525">
+                  <a14:hiddenLine xmlns="" xmlns:a14="http://schemas.microsoft.com/office/drawing/2010/main" w="9525">
                     <a:solidFill>
                       <a:srgbClr val="000000"/>
                     </a:solidFill>
@@ -12018,7 +12020,7 @@
               </a:ln>
               <a:extLst>
                 <a:ext uri="{91240B29-F687-4f45-9708-019B960494DF}">
-                  <a14:hiddenLine xmlns:a14="http://schemas.microsoft.com/office/drawing/2010/main" xmlns="" w="9525">
+                  <a14:hiddenLine xmlns="" xmlns:a14="http://schemas.microsoft.com/office/drawing/2010/main" w="9525">
                     <a:solidFill>
                       <a:srgbClr val="000000"/>
                     </a:solidFill>
@@ -12108,7 +12110,7 @@
               </a:ln>
               <a:extLst>
                 <a:ext uri="{91240B29-F687-4f45-9708-019B960494DF}">
-                  <a14:hiddenLine xmlns:a14="http://schemas.microsoft.com/office/drawing/2010/main" xmlns="" w="9525">
+                  <a14:hiddenLine xmlns="" xmlns:a14="http://schemas.microsoft.com/office/drawing/2010/main" w="9525">
                     <a:solidFill>
                       <a:srgbClr val="000000"/>
                     </a:solidFill>
@@ -12176,7 +12178,7 @@
               </a:ln>
               <a:extLst>
                 <a:ext uri="{91240B29-F687-4f45-9708-019B960494DF}">
-                  <a14:hiddenLine xmlns:a14="http://schemas.microsoft.com/office/drawing/2010/main" xmlns="" w="9525">
+                  <a14:hiddenLine xmlns="" xmlns:a14="http://schemas.microsoft.com/office/drawing/2010/main" w="9525">
                     <a:solidFill>
                       <a:srgbClr val="000000"/>
                     </a:solidFill>
@@ -12266,7 +12268,7 @@
               </a:ln>
               <a:extLst>
                 <a:ext uri="{91240B29-F687-4f45-9708-019B960494DF}">
-                  <a14:hiddenLine xmlns:a14="http://schemas.microsoft.com/office/drawing/2010/main" xmlns="" w="9525">
+                  <a14:hiddenLine xmlns="" xmlns:a14="http://schemas.microsoft.com/office/drawing/2010/main" w="9525">
                     <a:solidFill>
                       <a:srgbClr val="000000"/>
                     </a:solidFill>
@@ -12334,7 +12336,7 @@
               </a:ln>
               <a:extLst>
                 <a:ext uri="{91240B29-F687-4f45-9708-019B960494DF}">
-                  <a14:hiddenLine xmlns:a14="http://schemas.microsoft.com/office/drawing/2010/main" xmlns="" w="9525">
+                  <a14:hiddenLine xmlns="" xmlns:a14="http://schemas.microsoft.com/office/drawing/2010/main" w="9525">
                     <a:solidFill>
                       <a:srgbClr val="000000"/>
                     </a:solidFill>
@@ -12424,7 +12426,7 @@
               </a:ln>
               <a:extLst>
                 <a:ext uri="{91240B29-F687-4f45-9708-019B960494DF}">
-                  <a14:hiddenLine xmlns:a14="http://schemas.microsoft.com/office/drawing/2010/main" xmlns="" w="9525">
+                  <a14:hiddenLine xmlns="" xmlns:a14="http://schemas.microsoft.com/office/drawing/2010/main" w="9525">
                     <a:solidFill>
                       <a:srgbClr val="000000"/>
                     </a:solidFill>
@@ -12458,7 +12460,7 @@
               </a:ln>
               <a:extLst>
                 <a:ext uri="{91240B29-F687-4f45-9708-019B960494DF}">
-                  <a14:hiddenLine xmlns:a14="http://schemas.microsoft.com/office/drawing/2010/main" xmlns="" w="9525">
+                  <a14:hiddenLine xmlns="" xmlns:a14="http://schemas.microsoft.com/office/drawing/2010/main" w="9525">
                     <a:solidFill>
                       <a:srgbClr val="000000"/>
                     </a:solidFill>
@@ -22765,6 +22767,215 @@
 </p:sld>
 </file>
 
+<file path=ppt/slides/slide42.xml><?xml version="1.0" encoding="utf-8"?>
+<p:sld xmlns:a="http://schemas.openxmlformats.org/drawingml/2006/main" xmlns:r="http://schemas.openxmlformats.org/officeDocument/2006/relationships" xmlns:p="http://schemas.openxmlformats.org/presentationml/2006/main">
+  <p:cSld>
+    <p:spTree>
+      <p:nvGrpSpPr>
+        <p:cNvPr id="1" name=""/>
+        <p:cNvGrpSpPr/>
+        <p:nvPr/>
+      </p:nvGrpSpPr>
+      <p:grpSpPr>
+        <a:xfrm>
+          <a:off x="0" y="0"/>
+          <a:ext cx="0" cy="0"/>
+          <a:chOff x="0" y="0"/>
+          <a:chExt cx="0" cy="0"/>
+        </a:xfrm>
+      </p:grpSpPr>
+      <p:sp>
+        <p:nvSpPr>
+          <p:cNvPr id="2" name="Title 1">
+            <a:extLst>
+              <a:ext uri="{FF2B5EF4-FFF2-40B4-BE49-F238E27FC236}">
+                <a16:creationId xmlns:a16="http://schemas.microsoft.com/office/drawing/2014/main" id="{291EA29B-D674-43E2-A7A9-0E60010304D1}"/>
+              </a:ext>
+            </a:extLst>
+          </p:cNvPr>
+          <p:cNvSpPr>
+            <a:spLocks noGrp="1"/>
+          </p:cNvSpPr>
+          <p:nvPr>
+            <p:ph type="title"/>
+          </p:nvPr>
+        </p:nvSpPr>
+        <p:spPr/>
+        <p:txBody>
+          <a:bodyPr/>
+          <a:lstStyle/>
+          <a:p>
+            <a:r>
+              <a:rPr lang="en-US" dirty="0"/>
+              <a:t>PCA</a:t>
+            </a:r>
+          </a:p>
+        </p:txBody>
+      </p:sp>
+      <p:pic>
+        <p:nvPicPr>
+          <p:cNvPr id="6" name="Content Placeholder 5">
+            <a:extLst>
+              <a:ext uri="{FF2B5EF4-FFF2-40B4-BE49-F238E27FC236}">
+                <a16:creationId xmlns:a16="http://schemas.microsoft.com/office/drawing/2014/main" id="{F12D43C9-05D7-40EC-B5F3-9789E6D7FFAA}"/>
+              </a:ext>
+            </a:extLst>
+          </p:cNvPr>
+          <p:cNvPicPr>
+            <a:picLocks noGrp="1" noChangeAspect="1"/>
+          </p:cNvPicPr>
+          <p:nvPr>
+            <p:ph idx="1"/>
+          </p:nvPr>
+        </p:nvPicPr>
+        <p:blipFill>
+          <a:blip r:embed="rId2"/>
+          <a:stretch>
+            <a:fillRect/>
+          </a:stretch>
+        </p:blipFill>
+        <p:spPr>
+          <a:xfrm>
+            <a:off x="1965324" y="3248138"/>
+            <a:ext cx="8258175" cy="1152525"/>
+          </a:xfrm>
+        </p:spPr>
+      </p:pic>
+      <p:sp>
+        <p:nvSpPr>
+          <p:cNvPr id="4" name="Slide Number Placeholder 3">
+            <a:extLst>
+              <a:ext uri="{FF2B5EF4-FFF2-40B4-BE49-F238E27FC236}">
+                <a16:creationId xmlns:a16="http://schemas.microsoft.com/office/drawing/2014/main" id="{0CA96E65-4339-4246-BFCA-0FE8A9D5E15C}"/>
+              </a:ext>
+            </a:extLst>
+          </p:cNvPr>
+          <p:cNvSpPr>
+            <a:spLocks noGrp="1"/>
+          </p:cNvSpPr>
+          <p:nvPr>
+            <p:ph type="sldNum" sz="quarter" idx="12"/>
+          </p:nvPr>
+        </p:nvSpPr>
+        <p:spPr/>
+        <p:txBody>
+          <a:bodyPr/>
+          <a:lstStyle/>
+          <a:p>
+            <a:fld id="{6D22F896-40B5-4ADD-8801-0D06FADFA095}" type="slidenum">
+              <a:rPr lang="en-US" smtClean="0"/>
+              <a:t>42</a:t>
+            </a:fld>
+            <a:endParaRPr lang="en-US" dirty="0"/>
+          </a:p>
+        </p:txBody>
+      </p:sp>
+    </p:spTree>
+    <p:extLst>
+      <p:ext uri="{BB962C8B-B14F-4D97-AF65-F5344CB8AC3E}">
+        <p14:creationId xmlns:p14="http://schemas.microsoft.com/office/powerpoint/2010/main" val="3786424869"/>
+      </p:ext>
+    </p:extLst>
+  </p:cSld>
+  <p:clrMapOvr>
+    <a:masterClrMapping/>
+  </p:clrMapOvr>
+</p:sld>
+</file>
+
+<file path=ppt/slides/slide43.xml><?xml version="1.0" encoding="utf-8"?>
+<p:sld xmlns:a="http://schemas.openxmlformats.org/drawingml/2006/main" xmlns:r="http://schemas.openxmlformats.org/officeDocument/2006/relationships" xmlns:p="http://schemas.openxmlformats.org/presentationml/2006/main">
+  <p:cSld>
+    <p:spTree>
+      <p:nvGrpSpPr>
+        <p:cNvPr id="1" name=""/>
+        <p:cNvGrpSpPr/>
+        <p:nvPr/>
+      </p:nvGrpSpPr>
+      <p:grpSpPr>
+        <a:xfrm>
+          <a:off x="0" y="0"/>
+          <a:ext cx="0" cy="0"/>
+          <a:chOff x="0" y="0"/>
+          <a:chExt cx="0" cy="0"/>
+        </a:xfrm>
+      </p:grpSpPr>
+      <p:sp>
+        <p:nvSpPr>
+          <p:cNvPr id="2" name="Title 1">
+            <a:extLst>
+              <a:ext uri="{FF2B5EF4-FFF2-40B4-BE49-F238E27FC236}">
+                <a16:creationId xmlns:a16="http://schemas.microsoft.com/office/drawing/2014/main" id="{590A1D95-5EFA-4970-B6ED-9E8CAC391940}"/>
+              </a:ext>
+            </a:extLst>
+          </p:cNvPr>
+          <p:cNvSpPr>
+            <a:spLocks noGrp="1"/>
+          </p:cNvSpPr>
+          <p:nvPr>
+            <p:ph type="title"/>
+          </p:nvPr>
+        </p:nvSpPr>
+        <p:spPr>
+          <a:xfrm>
+            <a:off x="982793" y="2829674"/>
+            <a:ext cx="9905998" cy="1478570"/>
+          </a:xfrm>
+        </p:spPr>
+        <p:txBody>
+          <a:bodyPr/>
+          <a:lstStyle/>
+          <a:p>
+            <a:pPr algn="ctr"/>
+            <a:r>
+              <a:rPr lang="en-US" dirty="0"/>
+              <a:t>Challenge</a:t>
+            </a:r>
+          </a:p>
+        </p:txBody>
+      </p:sp>
+      <p:sp>
+        <p:nvSpPr>
+          <p:cNvPr id="4" name="Slide Number Placeholder 3">
+            <a:extLst>
+              <a:ext uri="{FF2B5EF4-FFF2-40B4-BE49-F238E27FC236}">
+                <a16:creationId xmlns:a16="http://schemas.microsoft.com/office/drawing/2014/main" id="{4DC2AA92-2D48-4B05-9AD8-B6BFCBCFAF45}"/>
+              </a:ext>
+            </a:extLst>
+          </p:cNvPr>
+          <p:cNvSpPr>
+            <a:spLocks noGrp="1"/>
+          </p:cNvSpPr>
+          <p:nvPr>
+            <p:ph type="sldNum" sz="quarter" idx="12"/>
+          </p:nvPr>
+        </p:nvSpPr>
+        <p:spPr/>
+        <p:txBody>
+          <a:bodyPr/>
+          <a:lstStyle/>
+          <a:p>
+            <a:fld id="{6D22F896-40B5-4ADD-8801-0D06FADFA095}" type="slidenum">
+              <a:rPr lang="en-US" smtClean="0"/>
+              <a:t>43</a:t>
+            </a:fld>
+            <a:endParaRPr lang="en-US" dirty="0"/>
+          </a:p>
+        </p:txBody>
+      </p:sp>
+    </p:spTree>
+    <p:extLst>
+      <p:ext uri="{BB962C8B-B14F-4D97-AF65-F5344CB8AC3E}">
+        <p14:creationId xmlns:p14="http://schemas.microsoft.com/office/powerpoint/2010/main" val="230822235"/>
+      </p:ext>
+    </p:extLst>
+  </p:cSld>
+  <p:clrMapOvr>
+    <a:masterClrMapping/>
+  </p:clrMapOvr>
+</p:sld>
+</file>
+
 <file path=ppt/slides/slide5.xml><?xml version="1.0" encoding="utf-8"?>
 <p:sld xmlns:a="http://schemas.openxmlformats.org/drawingml/2006/main" xmlns:r="http://schemas.openxmlformats.org/officeDocument/2006/relationships" xmlns:p="http://schemas.openxmlformats.org/presentationml/2006/main">
   <p:cSld>
@@ -25161,7 +25372,7 @@
         </p:nvGraphicFramePr>
         <p:xfrm>
           <a:off x="2310318" y="2331773"/>
-          <a:ext cx="7966003" cy="2377440"/>
+          <a:ext cx="7966003" cy="2651760"/>
         </p:xfrm>
         <a:graphic>
           <a:graphicData uri="http://schemas.openxmlformats.org/drawingml/2006/table">
